--- a/Presentations/Unit 1/CS8392-U1-11-ControlFlow_Loops.pptx
+++ b/Presentations/Unit 1/CS8392-U1-11-ControlFlow_Loops.pptx
@@ -5,27 +5,25 @@
     <p:sldMasterId id="2147483648" r:id="rId1"/>
   </p:sldMasterIdLst>
   <p:notesMasterIdLst>
-    <p:notesMasterId r:id="rId20"/>
+    <p:notesMasterId r:id="rId18"/>
   </p:notesMasterIdLst>
   <p:sldIdLst>
     <p:sldId id="256" r:id="rId2"/>
-    <p:sldId id="273" r:id="rId3"/>
-    <p:sldId id="274" r:id="rId4"/>
-    <p:sldId id="275" r:id="rId5"/>
-    <p:sldId id="276" r:id="rId6"/>
-    <p:sldId id="277" r:id="rId7"/>
-    <p:sldId id="278" r:id="rId8"/>
-    <p:sldId id="279" r:id="rId9"/>
-    <p:sldId id="280" r:id="rId10"/>
-    <p:sldId id="281" r:id="rId11"/>
-    <p:sldId id="282" r:id="rId12"/>
-    <p:sldId id="283" r:id="rId13"/>
-    <p:sldId id="284" r:id="rId14"/>
-    <p:sldId id="285" r:id="rId15"/>
-    <p:sldId id="286" r:id="rId16"/>
-    <p:sldId id="287" r:id="rId17"/>
-    <p:sldId id="288" r:id="rId18"/>
-    <p:sldId id="272" r:id="rId19"/>
+    <p:sldId id="275" r:id="rId3"/>
+    <p:sldId id="276" r:id="rId4"/>
+    <p:sldId id="277" r:id="rId5"/>
+    <p:sldId id="278" r:id="rId6"/>
+    <p:sldId id="279" r:id="rId7"/>
+    <p:sldId id="280" r:id="rId8"/>
+    <p:sldId id="281" r:id="rId9"/>
+    <p:sldId id="282" r:id="rId10"/>
+    <p:sldId id="283" r:id="rId11"/>
+    <p:sldId id="284" r:id="rId12"/>
+    <p:sldId id="285" r:id="rId13"/>
+    <p:sldId id="286" r:id="rId14"/>
+    <p:sldId id="287" r:id="rId15"/>
+    <p:sldId id="288" r:id="rId16"/>
+    <p:sldId id="272" r:id="rId17"/>
   </p:sldIdLst>
   <p:sldSz cx="9144000" cy="6858000" type="screen4x3"/>
   <p:notesSz cx="6858000" cy="9144000"/>
@@ -210,7 +208,7 @@
             <a:fld id="{9515075B-F3F0-4441-A1BD-B7B515B708FF}" type="datetimeFigureOut">
               <a:rPr lang="en-US" smtClean="0"/>
               <a:pPr/>
-              <a:t>7/17/2018</a:t>
+              <a:t>6/29/2019</a:t>
             </a:fld>
             <a:endParaRPr lang="en-US"/>
           </a:p>
@@ -665,7 +663,7 @@
             <a:fld id="{6E658DF8-B8C0-4C7F-85EB-B53A2DDD44A9}" type="datetimeFigureOut">
               <a:rPr lang="en-US" smtClean="0"/>
               <a:pPr/>
-              <a:t>7/17/2018</a:t>
+              <a:t>6/29/2019</a:t>
             </a:fld>
             <a:endParaRPr lang="en-US"/>
           </a:p>
@@ -832,7 +830,7 @@
             <a:fld id="{6E658DF8-B8C0-4C7F-85EB-B53A2DDD44A9}" type="datetimeFigureOut">
               <a:rPr lang="en-US" smtClean="0"/>
               <a:pPr/>
-              <a:t>7/17/2018</a:t>
+              <a:t>6/29/2019</a:t>
             </a:fld>
             <a:endParaRPr lang="en-US"/>
           </a:p>
@@ -1009,7 +1007,7 @@
             <a:fld id="{6E658DF8-B8C0-4C7F-85EB-B53A2DDD44A9}" type="datetimeFigureOut">
               <a:rPr lang="en-US" smtClean="0"/>
               <a:pPr/>
-              <a:t>7/17/2018</a:t>
+              <a:t>6/29/2019</a:t>
             </a:fld>
             <a:endParaRPr lang="en-US"/>
           </a:p>
@@ -1208,7 +1206,7 @@
             <a:fld id="{6E658DF8-B8C0-4C7F-85EB-B53A2DDD44A9}" type="datetimeFigureOut">
               <a:rPr lang="en-US" smtClean="0"/>
               <a:pPr/>
-              <a:t>7/17/2018</a:t>
+              <a:t>6/29/2019</a:t>
             </a:fld>
             <a:endParaRPr lang="en-US"/>
           </a:p>
@@ -1451,7 +1449,7 @@
             <a:fld id="{6E658DF8-B8C0-4C7F-85EB-B53A2DDD44A9}" type="datetimeFigureOut">
               <a:rPr lang="en-US" smtClean="0"/>
               <a:pPr/>
-              <a:t>7/17/2018</a:t>
+              <a:t>6/29/2019</a:t>
             </a:fld>
             <a:endParaRPr lang="en-US"/>
           </a:p>
@@ -1736,7 +1734,7 @@
             <a:fld id="{6E658DF8-B8C0-4C7F-85EB-B53A2DDD44A9}" type="datetimeFigureOut">
               <a:rPr lang="en-US" smtClean="0"/>
               <a:pPr/>
-              <a:t>7/17/2018</a:t>
+              <a:t>6/29/2019</a:t>
             </a:fld>
             <a:endParaRPr lang="en-US"/>
           </a:p>
@@ -2155,7 +2153,7 @@
             <a:fld id="{6E658DF8-B8C0-4C7F-85EB-B53A2DDD44A9}" type="datetimeFigureOut">
               <a:rPr lang="en-US" smtClean="0"/>
               <a:pPr/>
-              <a:t>7/17/2018</a:t>
+              <a:t>6/29/2019</a:t>
             </a:fld>
             <a:endParaRPr lang="en-US"/>
           </a:p>
@@ -2270,7 +2268,7 @@
             <a:fld id="{6E658DF8-B8C0-4C7F-85EB-B53A2DDD44A9}" type="datetimeFigureOut">
               <a:rPr lang="en-US" smtClean="0"/>
               <a:pPr/>
-              <a:t>7/17/2018</a:t>
+              <a:t>6/29/2019</a:t>
             </a:fld>
             <a:endParaRPr lang="en-US"/>
           </a:p>
@@ -2362,7 +2360,7 @@
             <a:fld id="{6E658DF8-B8C0-4C7F-85EB-B53A2DDD44A9}" type="datetimeFigureOut">
               <a:rPr lang="en-US" smtClean="0"/>
               <a:pPr/>
-              <a:t>7/17/2018</a:t>
+              <a:t>6/29/2019</a:t>
             </a:fld>
             <a:endParaRPr lang="en-US"/>
           </a:p>
@@ -2636,7 +2634,7 @@
             <a:fld id="{6E658DF8-B8C0-4C7F-85EB-B53A2DDD44A9}" type="datetimeFigureOut">
               <a:rPr lang="en-US" smtClean="0"/>
               <a:pPr/>
-              <a:t>7/17/2018</a:t>
+              <a:t>6/29/2019</a:t>
             </a:fld>
             <a:endParaRPr lang="en-US"/>
           </a:p>
@@ -2886,7 +2884,7 @@
             <a:fld id="{6E658DF8-B8C0-4C7F-85EB-B53A2DDD44A9}" type="datetimeFigureOut">
               <a:rPr lang="en-US" smtClean="0"/>
               <a:pPr/>
-              <a:t>7/17/2018</a:t>
+              <a:t>6/29/2019</a:t>
             </a:fld>
             <a:endParaRPr lang="en-US"/>
           </a:p>
@@ -3102,7 +3100,7 @@
             <a:fld id="{6E658DF8-B8C0-4C7F-85EB-B53A2DDD44A9}" type="datetimeFigureOut">
               <a:rPr lang="en-US" smtClean="0"/>
               <a:pPr/>
-              <a:t>7/17/2018</a:t>
+              <a:t>6/29/2019</a:t>
             </a:fld>
             <a:endParaRPr lang="en-US"/>
           </a:p>
@@ -3789,231 +3787,6 @@
           <a:p>
             <a:r>
               <a:rPr lang="en-US" dirty="0" smtClean="0"/>
-              <a:t>Syntax</a:t>
-            </a:r>
-            <a:endParaRPr lang="en-US" dirty="0"/>
-          </a:p>
-        </p:txBody>
-      </p:sp>
-      <p:sp>
-        <p:nvSpPr>
-          <p:cNvPr id="3" name="Content Placeholder 2"/>
-          <p:cNvSpPr>
-            <a:spLocks noGrp="1"/>
-          </p:cNvSpPr>
-          <p:nvPr>
-            <p:ph idx="1"/>
-          </p:nvPr>
-        </p:nvSpPr>
-        <p:spPr/>
-        <p:txBody>
-          <a:bodyPr/>
-          <a:lstStyle/>
-          <a:p>
-            <a:pPr>
-              <a:buNone/>
-            </a:pPr>
-            <a:r>
-              <a:rPr lang="en-US" dirty="0" smtClean="0">
-                <a:solidFill>
-                  <a:srgbClr val="FF0000"/>
-                </a:solidFill>
-                <a:latin typeface="Consolas" pitchFamily="49" charset="0"/>
-              </a:rPr>
-              <a:t>while</a:t>
-            </a:r>
-            <a:r>
-              <a:rPr lang="en-US" dirty="0" smtClean="0">
-                <a:latin typeface="Consolas" pitchFamily="49" charset="0"/>
-              </a:rPr>
-              <a:t>(Condition){</a:t>
-            </a:r>
-          </a:p>
-          <a:p>
-            <a:pPr>
-              <a:buNone/>
-            </a:pPr>
-            <a:r>
-              <a:rPr lang="en-US" dirty="0" smtClean="0">
-                <a:latin typeface="Consolas" pitchFamily="49" charset="0"/>
-              </a:rPr>
-              <a:t>…</a:t>
-            </a:r>
-          </a:p>
-          <a:p>
-            <a:pPr>
-              <a:buNone/>
-            </a:pPr>
-            <a:r>
-              <a:rPr lang="en-US" dirty="0" smtClean="0">
-                <a:latin typeface="Consolas" pitchFamily="49" charset="0"/>
-              </a:rPr>
-              <a:t>// Block of while loop</a:t>
-            </a:r>
-          </a:p>
-          <a:p>
-            <a:pPr>
-              <a:buNone/>
-            </a:pPr>
-            <a:r>
-              <a:rPr lang="en-US" dirty="0" smtClean="0">
-                <a:latin typeface="Consolas" pitchFamily="49" charset="0"/>
-              </a:rPr>
-              <a:t>…</a:t>
-            </a:r>
-          </a:p>
-          <a:p>
-            <a:pPr>
-              <a:buNone/>
-            </a:pPr>
-            <a:r>
-              <a:rPr lang="en-US" dirty="0" smtClean="0">
-                <a:latin typeface="Consolas" pitchFamily="49" charset="0"/>
-              </a:rPr>
-              <a:t>}</a:t>
-            </a:r>
-            <a:endParaRPr lang="en-US" dirty="0" smtClean="0">
-              <a:latin typeface="Consolas" pitchFamily="49" charset="0"/>
-            </a:endParaRPr>
-          </a:p>
-        </p:txBody>
-      </p:sp>
-    </p:spTree>
-  </p:cSld>
-  <p:clrMapOvr>
-    <a:masterClrMapping/>
-  </p:clrMapOvr>
-  <p:timing>
-    <p:tnLst>
-      <p:par>
-        <p:cTn id="1" dur="indefinite" restart="never" nodeType="tmRoot"/>
-      </p:par>
-    </p:tnLst>
-  </p:timing>
-</p:sld>
-</file>
-
-<file path=ppt/slides/slide11.xml><?xml version="1.0" encoding="utf-8"?>
-<p:sld xmlns:a="http://schemas.openxmlformats.org/drawingml/2006/main" xmlns:r="http://schemas.openxmlformats.org/officeDocument/2006/relationships" xmlns:p="http://schemas.openxmlformats.org/presentationml/2006/main">
-  <p:cSld>
-    <p:spTree>
-      <p:nvGrpSpPr>
-        <p:cNvPr id="1" name=""/>
-        <p:cNvGrpSpPr/>
-        <p:nvPr/>
-      </p:nvGrpSpPr>
-      <p:grpSpPr>
-        <a:xfrm>
-          <a:off x="0" y="0"/>
-          <a:ext cx="0" cy="0"/>
-          <a:chOff x="0" y="0"/>
-          <a:chExt cx="0" cy="0"/>
-        </a:xfrm>
-      </p:grpSpPr>
-      <p:sp>
-        <p:nvSpPr>
-          <p:cNvPr id="2" name="Title 1"/>
-          <p:cNvSpPr>
-            <a:spLocks noGrp="1"/>
-          </p:cNvSpPr>
-          <p:nvPr>
-            <p:ph type="title"/>
-          </p:nvPr>
-        </p:nvSpPr>
-        <p:spPr/>
-        <p:txBody>
-          <a:bodyPr/>
-          <a:lstStyle/>
-          <a:p>
-            <a:r>
-              <a:rPr lang="en-US" dirty="0" smtClean="0"/>
-              <a:t>Example [Print 0 to 9]</a:t>
-            </a:r>
-            <a:endParaRPr lang="en-US" dirty="0"/>
-          </a:p>
-        </p:txBody>
-      </p:sp>
-      <p:pic>
-        <p:nvPicPr>
-          <p:cNvPr id="3074" name="Picture 2"/>
-          <p:cNvPicPr>
-            <a:picLocks noChangeAspect="1" noChangeArrowheads="1"/>
-          </p:cNvPicPr>
-          <p:nvPr/>
-        </p:nvPicPr>
-        <p:blipFill>
-          <a:blip r:embed="rId2" cstate="print"/>
-          <a:srcRect/>
-          <a:stretch>
-            <a:fillRect/>
-          </a:stretch>
-        </p:blipFill>
-        <p:spPr bwMode="auto">
-          <a:xfrm>
-            <a:off x="1552575" y="1524000"/>
-            <a:ext cx="5991225" cy="5257800"/>
-          </a:xfrm>
-          <a:prstGeom prst="rect">
-            <a:avLst/>
-          </a:prstGeom>
-          <a:noFill/>
-          <a:ln w="9525">
-            <a:noFill/>
-            <a:miter lim="800000"/>
-            <a:headEnd/>
-            <a:tailEnd/>
-          </a:ln>
-        </p:spPr>
-      </p:pic>
-    </p:spTree>
-  </p:cSld>
-  <p:clrMapOvr>
-    <a:masterClrMapping/>
-  </p:clrMapOvr>
-  <p:timing>
-    <p:tnLst>
-      <p:par>
-        <p:cTn id="1" dur="indefinite" restart="never" nodeType="tmRoot"/>
-      </p:par>
-    </p:tnLst>
-  </p:timing>
-</p:sld>
-</file>
-
-<file path=ppt/slides/slide12.xml><?xml version="1.0" encoding="utf-8"?>
-<p:sld xmlns:a="http://schemas.openxmlformats.org/drawingml/2006/main" xmlns:r="http://schemas.openxmlformats.org/officeDocument/2006/relationships" xmlns:p="http://schemas.openxmlformats.org/presentationml/2006/main">
-  <p:cSld>
-    <p:spTree>
-      <p:nvGrpSpPr>
-        <p:cNvPr id="1" name=""/>
-        <p:cNvGrpSpPr/>
-        <p:nvPr/>
-      </p:nvGrpSpPr>
-      <p:grpSpPr>
-        <a:xfrm>
-          <a:off x="0" y="0"/>
-          <a:ext cx="0" cy="0"/>
-          <a:chOff x="0" y="0"/>
-          <a:chExt cx="0" cy="0"/>
-        </a:xfrm>
-      </p:grpSpPr>
-      <p:sp>
-        <p:nvSpPr>
-          <p:cNvPr id="2" name="Title 1"/>
-          <p:cNvSpPr>
-            <a:spLocks noGrp="1"/>
-          </p:cNvSpPr>
-          <p:nvPr>
-            <p:ph type="title"/>
-          </p:nvPr>
-        </p:nvSpPr>
-        <p:spPr/>
-        <p:txBody>
-          <a:bodyPr/>
-          <a:lstStyle/>
-          <a:p>
-            <a:r>
-              <a:rPr lang="en-US" dirty="0" smtClean="0"/>
               <a:t>While loop </a:t>
             </a:r>
             <a:r>
@@ -4140,7 +3913,7 @@
 </p:sld>
 </file>
 
-<file path=ppt/slides/slide13.xml><?xml version="1.0" encoding="utf-8"?>
+<file path=ppt/slides/slide11.xml><?xml version="1.0" encoding="utf-8"?>
 <p:sld xmlns:a="http://schemas.openxmlformats.org/drawingml/2006/main" xmlns:r="http://schemas.openxmlformats.org/officeDocument/2006/relationships" xmlns:p="http://schemas.openxmlformats.org/presentationml/2006/main">
   <p:cSld>
     <p:spTree>
@@ -4220,7 +3993,7 @@
 </p:sld>
 </file>
 
-<file path=ppt/slides/slide14.xml><?xml version="1.0" encoding="utf-8"?>
+<file path=ppt/slides/slide12.xml><?xml version="1.0" encoding="utf-8"?>
 <p:sld xmlns:a="http://schemas.openxmlformats.org/drawingml/2006/main" xmlns:r="http://schemas.openxmlformats.org/officeDocument/2006/relationships" xmlns:p="http://schemas.openxmlformats.org/presentationml/2006/main">
   <p:cSld>
     <p:spTree>
@@ -4309,7 +4082,7 @@
 </p:sld>
 </file>
 
-<file path=ppt/slides/slide15.xml><?xml version="1.0" encoding="utf-8"?>
+<file path=ppt/slides/slide13.xml><?xml version="1.0" encoding="utf-8"?>
 <p:sld xmlns:a="http://schemas.openxmlformats.org/drawingml/2006/main" xmlns:r="http://schemas.openxmlformats.org/officeDocument/2006/relationships" xmlns:p="http://schemas.openxmlformats.org/presentationml/2006/main">
   <p:cSld>
     <p:spTree>
@@ -4459,7 +4232,7 @@
 </p:sld>
 </file>
 
-<file path=ppt/slides/slide16.xml><?xml version="1.0" encoding="utf-8"?>
+<file path=ppt/slides/slide14.xml><?xml version="1.0" encoding="utf-8"?>
 <p:sld xmlns:a="http://schemas.openxmlformats.org/drawingml/2006/main" xmlns:r="http://schemas.openxmlformats.org/officeDocument/2006/relationships" xmlns:p="http://schemas.openxmlformats.org/presentationml/2006/main">
   <p:cSld>
     <p:spTree>
@@ -4541,7 +4314,7 @@
 </p:sld>
 </file>
 
-<file path=ppt/slides/slide17.xml><?xml version="1.0" encoding="utf-8"?>
+<file path=ppt/slides/slide15.xml><?xml version="1.0" encoding="utf-8"?>
 <p:sld xmlns:a="http://schemas.openxmlformats.org/drawingml/2006/main" xmlns:r="http://schemas.openxmlformats.org/officeDocument/2006/relationships" xmlns:p="http://schemas.openxmlformats.org/presentationml/2006/main">
   <p:cSld>
     <p:spTree>
@@ -4611,7 +4384,7 @@
 </p:sld>
 </file>
 
-<file path=ppt/slides/slide18.xml><?xml version="1.0" encoding="utf-8"?>
+<file path=ppt/slides/slide16.xml><?xml version="1.0" encoding="utf-8"?>
 <p:sld xmlns:a="http://schemas.openxmlformats.org/drawingml/2006/main" xmlns:r="http://schemas.openxmlformats.org/officeDocument/2006/relationships" xmlns:p="http://schemas.openxmlformats.org/presentationml/2006/main">
   <p:cSld>
     <p:spTree>
@@ -5021,7 +4794,7 @@
           <a:p>
             <a:r>
               <a:rPr lang="en-US" dirty="0" smtClean="0"/>
-              <a:t>Control Flow Statements</a:t>
+              <a:t>Loops</a:t>
             </a:r>
             <a:endParaRPr lang="en-US" dirty="0"/>
           </a:p>
@@ -5040,23 +4813,62 @@
         <p:spPr/>
         <p:txBody>
           <a:bodyPr>
-            <a:normAutofit/>
+            <a:normAutofit lnSpcReduction="10000"/>
           </a:bodyPr>
           <a:lstStyle/>
           <a:p>
-            <a:pPr algn="just"/>
-            <a:r>
-              <a:rPr lang="en-IN" sz="2500" dirty="0" smtClean="0"/>
-              <a:t>control flow (or flow of control) is the order in which individual statements,  instructions or function calls of an imperative program are executed or evaluated.</a:t>
-            </a:r>
-          </a:p>
-          <a:p>
-            <a:pPr algn="just"/>
-            <a:r>
-              <a:rPr lang="en-IN" sz="2500" dirty="0" smtClean="0"/>
-              <a:t>Control flow statements, however, break up the flow of execution by employing decision making, looping, and branching, enabling your program to conditionally execute particular blocks of code.</a:t>
-            </a:r>
-            <a:endParaRPr lang="en-US" sz="2500" dirty="0"/>
+            <a:r>
+              <a:rPr lang="en-US" dirty="0" smtClean="0"/>
+              <a:t>It is also known as iterate statements.</a:t>
+            </a:r>
+          </a:p>
+          <a:p>
+            <a:r>
+              <a:rPr lang="en-US" dirty="0" smtClean="0"/>
+              <a:t>A block of code is repeatedly executed until some condition is satisfied or true.</a:t>
+            </a:r>
+          </a:p>
+          <a:p>
+            <a:r>
+              <a:rPr lang="en-US" dirty="0" smtClean="0"/>
+              <a:t> There are 2 types of loops</a:t>
+            </a:r>
+          </a:p>
+          <a:p>
+            <a:pPr lvl="1"/>
+            <a:r>
+              <a:rPr lang="en-US" dirty="0" smtClean="0"/>
+              <a:t>Deterministic Loop</a:t>
+            </a:r>
+          </a:p>
+          <a:p>
+            <a:pPr lvl="2"/>
+            <a:r>
+              <a:rPr lang="en-US" dirty="0" smtClean="0"/>
+              <a:t>for loop</a:t>
+            </a:r>
+          </a:p>
+          <a:p>
+            <a:pPr lvl="1"/>
+            <a:r>
+              <a:rPr lang="en-US" dirty="0" smtClean="0"/>
+              <a:t>Non Deterministic Loops</a:t>
+            </a:r>
+          </a:p>
+          <a:p>
+            <a:pPr lvl="2"/>
+            <a:r>
+              <a:rPr lang="en-US" dirty="0" smtClean="0"/>
+              <a:t>while</a:t>
+            </a:r>
+          </a:p>
+          <a:p>
+            <a:pPr lvl="2"/>
+            <a:r>
+              <a:rPr lang="en-US" dirty="0" smtClean="0"/>
+              <a:t>do-while </a:t>
+            </a:r>
+            <a:endParaRPr lang="en-US" dirty="0"/>
           </a:p>
         </p:txBody>
       </p:sp>
@@ -5109,7 +4921,7 @@
           <a:p>
             <a:r>
               <a:rPr lang="en-US" dirty="0" smtClean="0"/>
-              <a:t>Types Control Flow Statements</a:t>
+              <a:t>FOR LOOP</a:t>
             </a:r>
             <a:endParaRPr lang="en-US" dirty="0"/>
           </a:p>
@@ -5117,919 +4929,83 @@
       </p:sp>
       <p:sp>
         <p:nvSpPr>
-          <p:cNvPr id="5" name="Rectangle 4"/>
-          <p:cNvSpPr/>
-          <p:nvPr/>
-        </p:nvSpPr>
-        <p:spPr>
-          <a:xfrm>
-            <a:off x="3048000" y="1524000"/>
-            <a:ext cx="2895600" cy="609600"/>
-          </a:xfrm>
-          <a:prstGeom prst="rect">
-            <a:avLst/>
-          </a:prstGeom>
-        </p:spPr>
-        <p:style>
-          <a:lnRef idx="2">
-            <a:schemeClr val="accent6"/>
-          </a:lnRef>
-          <a:fillRef idx="1">
-            <a:schemeClr val="lt1"/>
-          </a:fillRef>
-          <a:effectRef idx="0">
-            <a:schemeClr val="accent6"/>
-          </a:effectRef>
-          <a:fontRef idx="minor">
-            <a:schemeClr val="dk1"/>
-          </a:fontRef>
-        </p:style>
-        <p:txBody>
-          <a:bodyPr rtlCol="0" anchor="ctr"/>
-          <a:lstStyle/>
-          <a:p>
-            <a:pPr algn="ctr"/>
-            <a:r>
-              <a:rPr lang="en-US" sz="2500" dirty="0" smtClean="0"/>
-              <a:t>Control Flow</a:t>
-            </a:r>
-            <a:endParaRPr lang="en-US" sz="2500" dirty="0"/>
-          </a:p>
-        </p:txBody>
-      </p:sp>
-      <p:sp>
-        <p:nvSpPr>
-          <p:cNvPr id="6" name="Rectangle 5"/>
-          <p:cNvSpPr/>
-          <p:nvPr/>
-        </p:nvSpPr>
-        <p:spPr>
-          <a:xfrm>
-            <a:off x="685800" y="2743200"/>
-            <a:ext cx="2057400" cy="685800"/>
-          </a:xfrm>
-          <a:prstGeom prst="rect">
-            <a:avLst/>
-          </a:prstGeom>
-        </p:spPr>
-        <p:style>
-          <a:lnRef idx="1">
-            <a:schemeClr val="accent1"/>
-          </a:lnRef>
-          <a:fillRef idx="2">
-            <a:schemeClr val="accent1"/>
-          </a:fillRef>
-          <a:effectRef idx="1">
-            <a:schemeClr val="accent1"/>
-          </a:effectRef>
-          <a:fontRef idx="minor">
-            <a:schemeClr val="dk1"/>
-          </a:fontRef>
-        </p:style>
-        <p:txBody>
-          <a:bodyPr rtlCol="0" anchor="ctr"/>
-          <a:lstStyle/>
-          <a:p>
-            <a:pPr algn="ctr"/>
-            <a:r>
-              <a:rPr lang="en-US" sz="2000" dirty="0" smtClean="0"/>
-              <a:t>Decision Making</a:t>
-            </a:r>
-            <a:endParaRPr lang="en-US" sz="2000" dirty="0"/>
-          </a:p>
-        </p:txBody>
-      </p:sp>
-      <p:cxnSp>
-        <p:nvCxnSpPr>
-          <p:cNvPr id="8" name="Straight Arrow Connector 7"/>
-          <p:cNvCxnSpPr>
-            <a:stCxn id="5" idx="2"/>
-            <a:endCxn id="6" idx="0"/>
-          </p:cNvCxnSpPr>
-          <p:nvPr/>
-        </p:nvCxnSpPr>
-        <p:spPr>
-          <a:xfrm flipH="1">
-            <a:off x="1714500" y="2133600"/>
-            <a:ext cx="2781300" cy="609600"/>
-          </a:xfrm>
-          <a:prstGeom prst="straightConnector1">
-            <a:avLst/>
-          </a:prstGeom>
-          <a:ln>
-            <a:tailEnd type="arrow"/>
-          </a:ln>
-        </p:spPr>
-        <p:style>
-          <a:lnRef idx="2">
-            <a:schemeClr val="dk1"/>
-          </a:lnRef>
-          <a:fillRef idx="0">
-            <a:schemeClr val="dk1"/>
-          </a:fillRef>
-          <a:effectRef idx="1">
-            <a:schemeClr val="dk1"/>
-          </a:effectRef>
-          <a:fontRef idx="minor">
-            <a:schemeClr val="tx1"/>
-          </a:fontRef>
-        </p:style>
-      </p:cxnSp>
-      <p:sp>
-        <p:nvSpPr>
-          <p:cNvPr id="13" name="Rectangle 12"/>
-          <p:cNvSpPr/>
-          <p:nvPr/>
-        </p:nvSpPr>
-        <p:spPr>
-          <a:xfrm>
-            <a:off x="3505200" y="2743200"/>
-            <a:ext cx="2057400" cy="685800"/>
-          </a:xfrm>
-          <a:prstGeom prst="rect">
-            <a:avLst/>
-          </a:prstGeom>
-        </p:spPr>
-        <p:style>
-          <a:lnRef idx="1">
-            <a:schemeClr val="accent1"/>
-          </a:lnRef>
-          <a:fillRef idx="2">
-            <a:schemeClr val="accent1"/>
-          </a:fillRef>
-          <a:effectRef idx="1">
-            <a:schemeClr val="accent1"/>
-          </a:effectRef>
-          <a:fontRef idx="minor">
-            <a:schemeClr val="dk1"/>
-          </a:fontRef>
-        </p:style>
-        <p:txBody>
-          <a:bodyPr rtlCol="0" anchor="ctr"/>
-          <a:lstStyle/>
-          <a:p>
-            <a:pPr algn="ctr"/>
-            <a:r>
-              <a:rPr lang="en-US" sz="2000" dirty="0" smtClean="0"/>
-              <a:t>Looping</a:t>
-            </a:r>
-            <a:endParaRPr lang="en-US" sz="2000" dirty="0"/>
-          </a:p>
-        </p:txBody>
-      </p:sp>
-      <p:sp>
-        <p:nvSpPr>
-          <p:cNvPr id="14" name="Rectangle 13"/>
-          <p:cNvSpPr/>
-          <p:nvPr/>
-        </p:nvSpPr>
-        <p:spPr>
-          <a:xfrm>
-            <a:off x="6172200" y="2667000"/>
-            <a:ext cx="2057400" cy="838200"/>
-          </a:xfrm>
-          <a:prstGeom prst="rect">
-            <a:avLst/>
-          </a:prstGeom>
-        </p:spPr>
-        <p:style>
-          <a:lnRef idx="1">
-            <a:schemeClr val="accent1"/>
-          </a:lnRef>
-          <a:fillRef idx="2">
-            <a:schemeClr val="accent1"/>
-          </a:fillRef>
-          <a:effectRef idx="1">
-            <a:schemeClr val="accent1"/>
-          </a:effectRef>
-          <a:fontRef idx="minor">
-            <a:schemeClr val="dk1"/>
-          </a:fontRef>
-        </p:style>
-        <p:txBody>
-          <a:bodyPr rtlCol="0" anchor="ctr"/>
-          <a:lstStyle/>
-          <a:p>
-            <a:pPr algn="ctr"/>
-            <a:r>
-              <a:rPr lang="en-US" sz="2000" dirty="0" smtClean="0"/>
-              <a:t>Unconditional Jumps</a:t>
-            </a:r>
-            <a:endParaRPr lang="en-US" sz="2000" dirty="0"/>
-          </a:p>
-        </p:txBody>
-      </p:sp>
-      <p:cxnSp>
-        <p:nvCxnSpPr>
-          <p:cNvPr id="18" name="Straight Arrow Connector 17"/>
-          <p:cNvCxnSpPr>
-            <a:stCxn id="5" idx="2"/>
-            <a:endCxn id="13" idx="0"/>
-          </p:cNvCxnSpPr>
-          <p:nvPr/>
-        </p:nvCxnSpPr>
-        <p:spPr>
-          <a:xfrm>
-            <a:off x="4495800" y="2133600"/>
-            <a:ext cx="38100" cy="609600"/>
-          </a:xfrm>
-          <a:prstGeom prst="straightConnector1">
-            <a:avLst/>
-          </a:prstGeom>
-          <a:ln>
-            <a:tailEnd type="arrow"/>
-          </a:ln>
-        </p:spPr>
-        <p:style>
-          <a:lnRef idx="2">
-            <a:schemeClr val="dk1"/>
-          </a:lnRef>
-          <a:fillRef idx="0">
-            <a:schemeClr val="dk1"/>
-          </a:fillRef>
-          <a:effectRef idx="1">
-            <a:schemeClr val="dk1"/>
-          </a:effectRef>
-          <a:fontRef idx="minor">
-            <a:schemeClr val="tx1"/>
-          </a:fontRef>
-        </p:style>
-      </p:cxnSp>
-      <p:cxnSp>
-        <p:nvCxnSpPr>
-          <p:cNvPr id="20" name="Straight Arrow Connector 19"/>
-          <p:cNvCxnSpPr>
-            <a:stCxn id="5" idx="2"/>
-            <a:endCxn id="14" idx="0"/>
-          </p:cNvCxnSpPr>
-          <p:nvPr/>
-        </p:nvCxnSpPr>
-        <p:spPr>
-          <a:xfrm>
-            <a:off x="4495800" y="2133600"/>
-            <a:ext cx="2705100" cy="533400"/>
-          </a:xfrm>
-          <a:prstGeom prst="straightConnector1">
-            <a:avLst/>
-          </a:prstGeom>
-          <a:ln>
-            <a:tailEnd type="arrow"/>
-          </a:ln>
-        </p:spPr>
-        <p:style>
-          <a:lnRef idx="2">
-            <a:schemeClr val="dk1"/>
-          </a:lnRef>
-          <a:fillRef idx="0">
-            <a:schemeClr val="dk1"/>
-          </a:fillRef>
-          <a:effectRef idx="1">
-            <a:schemeClr val="dk1"/>
-          </a:effectRef>
-          <a:fontRef idx="minor">
-            <a:schemeClr val="tx1"/>
-          </a:fontRef>
-        </p:style>
-      </p:cxnSp>
-      <p:sp>
-        <p:nvSpPr>
-          <p:cNvPr id="26" name="Rectangle 25"/>
-          <p:cNvSpPr/>
-          <p:nvPr/>
-        </p:nvSpPr>
-        <p:spPr>
-          <a:xfrm>
-            <a:off x="685800" y="3733800"/>
-            <a:ext cx="2057400" cy="685800"/>
-          </a:xfrm>
-          <a:prstGeom prst="rect">
-            <a:avLst/>
-          </a:prstGeom>
-        </p:spPr>
-        <p:style>
-          <a:lnRef idx="1">
-            <a:schemeClr val="accent1"/>
-          </a:lnRef>
-          <a:fillRef idx="2">
-            <a:schemeClr val="accent1"/>
-          </a:fillRef>
-          <a:effectRef idx="1">
-            <a:schemeClr val="accent1"/>
-          </a:effectRef>
-          <a:fontRef idx="minor">
-            <a:schemeClr val="dk1"/>
-          </a:fontRef>
-        </p:style>
-        <p:txBody>
-          <a:bodyPr rtlCol="0" anchor="ctr"/>
-          <a:lstStyle/>
-          <a:p>
-            <a:pPr algn="ctr"/>
-            <a:r>
-              <a:rPr lang="en-US" sz="2000" dirty="0" smtClean="0"/>
-              <a:t>If - else</a:t>
-            </a:r>
-            <a:endParaRPr lang="en-US" sz="2000" dirty="0"/>
-          </a:p>
-        </p:txBody>
-      </p:sp>
-      <p:sp>
-        <p:nvSpPr>
-          <p:cNvPr id="27" name="Rectangle 26"/>
-          <p:cNvSpPr/>
-          <p:nvPr/>
-        </p:nvSpPr>
-        <p:spPr>
-          <a:xfrm>
-            <a:off x="685800" y="4800600"/>
-            <a:ext cx="2057400" cy="685800"/>
-          </a:xfrm>
-          <a:prstGeom prst="rect">
-            <a:avLst/>
-          </a:prstGeom>
-        </p:spPr>
-        <p:style>
-          <a:lnRef idx="1">
-            <a:schemeClr val="accent1"/>
-          </a:lnRef>
-          <a:fillRef idx="2">
-            <a:schemeClr val="accent1"/>
-          </a:fillRef>
-          <a:effectRef idx="1">
-            <a:schemeClr val="accent1"/>
-          </a:effectRef>
-          <a:fontRef idx="minor">
-            <a:schemeClr val="dk1"/>
-          </a:fontRef>
-        </p:style>
-        <p:txBody>
-          <a:bodyPr rtlCol="0" anchor="ctr"/>
-          <a:lstStyle/>
-          <a:p>
-            <a:pPr algn="ctr"/>
-            <a:r>
-              <a:rPr lang="en-US" sz="2000" dirty="0" smtClean="0"/>
-              <a:t>If – </a:t>
-            </a:r>
-            <a:r>
-              <a:rPr lang="en-US" sz="2000" dirty="0" err="1" smtClean="0"/>
-              <a:t>elseif</a:t>
-            </a:r>
-            <a:r>
-              <a:rPr lang="en-US" sz="2000" dirty="0" smtClean="0"/>
-              <a:t> - else</a:t>
-            </a:r>
-            <a:endParaRPr lang="en-US" sz="2000" dirty="0"/>
-          </a:p>
-        </p:txBody>
-      </p:sp>
-      <p:sp>
-        <p:nvSpPr>
-          <p:cNvPr id="28" name="Rectangle 27"/>
-          <p:cNvSpPr/>
-          <p:nvPr/>
-        </p:nvSpPr>
-        <p:spPr>
-          <a:xfrm>
-            <a:off x="3505200" y="3733800"/>
-            <a:ext cx="2057400" cy="685800"/>
-          </a:xfrm>
-          <a:prstGeom prst="rect">
-            <a:avLst/>
-          </a:prstGeom>
-        </p:spPr>
-        <p:style>
-          <a:lnRef idx="1">
-            <a:schemeClr val="accent1"/>
-          </a:lnRef>
-          <a:fillRef idx="2">
-            <a:schemeClr val="accent1"/>
-          </a:fillRef>
-          <a:effectRef idx="1">
-            <a:schemeClr val="accent1"/>
-          </a:effectRef>
-          <a:fontRef idx="minor">
-            <a:schemeClr val="dk1"/>
-          </a:fontRef>
-        </p:style>
-        <p:txBody>
-          <a:bodyPr rtlCol="0" anchor="ctr"/>
-          <a:lstStyle/>
-          <a:p>
-            <a:pPr algn="ctr"/>
-            <a:r>
-              <a:rPr lang="en-US" sz="2000" dirty="0" smtClean="0"/>
-              <a:t>for</a:t>
-            </a:r>
-            <a:endParaRPr lang="en-US" sz="2000" dirty="0"/>
-          </a:p>
-        </p:txBody>
-      </p:sp>
-      <p:sp>
-        <p:nvSpPr>
-          <p:cNvPr id="29" name="Rectangle 28"/>
-          <p:cNvSpPr/>
-          <p:nvPr/>
-        </p:nvSpPr>
-        <p:spPr>
-          <a:xfrm>
-            <a:off x="3505200" y="4800600"/>
-            <a:ext cx="2057400" cy="838200"/>
-          </a:xfrm>
-          <a:prstGeom prst="rect">
-            <a:avLst/>
-          </a:prstGeom>
-        </p:spPr>
-        <p:style>
-          <a:lnRef idx="1">
-            <a:schemeClr val="accent1"/>
-          </a:lnRef>
-          <a:fillRef idx="2">
-            <a:schemeClr val="accent1"/>
-          </a:fillRef>
-          <a:effectRef idx="1">
-            <a:schemeClr val="accent1"/>
-          </a:effectRef>
-          <a:fontRef idx="minor">
-            <a:schemeClr val="dk1"/>
-          </a:fontRef>
-        </p:style>
-        <p:txBody>
-          <a:bodyPr rtlCol="0" anchor="ctr"/>
-          <a:lstStyle/>
-          <a:p>
-            <a:pPr algn="ctr"/>
-            <a:r>
-              <a:rPr lang="en-US" sz="2000" dirty="0" smtClean="0"/>
-              <a:t>while</a:t>
-            </a:r>
-          </a:p>
-          <a:p>
-            <a:pPr algn="ctr"/>
-            <a:r>
-              <a:rPr lang="en-US" sz="2000" dirty="0" smtClean="0"/>
-              <a:t>do-while</a:t>
-            </a:r>
-            <a:endParaRPr lang="en-US" sz="2000" dirty="0"/>
-          </a:p>
-        </p:txBody>
-      </p:sp>
-      <p:sp>
-        <p:nvSpPr>
-          <p:cNvPr id="30" name="Rectangle 29"/>
-          <p:cNvSpPr/>
-          <p:nvPr/>
-        </p:nvSpPr>
-        <p:spPr>
-          <a:xfrm>
-            <a:off x="3505200" y="5943600"/>
-            <a:ext cx="2057400" cy="685800"/>
-          </a:xfrm>
-          <a:prstGeom prst="rect">
-            <a:avLst/>
-          </a:prstGeom>
-        </p:spPr>
-        <p:style>
-          <a:lnRef idx="1">
-            <a:schemeClr val="accent1"/>
-          </a:lnRef>
-          <a:fillRef idx="2">
-            <a:schemeClr val="accent1"/>
-          </a:fillRef>
-          <a:effectRef idx="1">
-            <a:schemeClr val="accent1"/>
-          </a:effectRef>
-          <a:fontRef idx="minor">
-            <a:schemeClr val="dk1"/>
-          </a:fontRef>
-        </p:style>
-        <p:txBody>
-          <a:bodyPr rtlCol="0" anchor="ctr"/>
-          <a:lstStyle/>
-          <a:p>
-            <a:pPr algn="ctr"/>
-            <a:r>
-              <a:rPr lang="en-US" sz="2000" dirty="0" smtClean="0"/>
-              <a:t>for-each</a:t>
-            </a:r>
-            <a:endParaRPr lang="en-US" sz="2000" dirty="0"/>
-          </a:p>
-        </p:txBody>
-      </p:sp>
-      <p:sp>
-        <p:nvSpPr>
-          <p:cNvPr id="34" name="Rectangle 33"/>
-          <p:cNvSpPr/>
-          <p:nvPr/>
-        </p:nvSpPr>
-        <p:spPr>
-          <a:xfrm>
-            <a:off x="6172200" y="4343400"/>
-            <a:ext cx="2057400" cy="685800"/>
-          </a:xfrm>
-          <a:prstGeom prst="rect">
-            <a:avLst/>
-          </a:prstGeom>
-        </p:spPr>
-        <p:style>
-          <a:lnRef idx="1">
-            <a:schemeClr val="accent1"/>
-          </a:lnRef>
-          <a:fillRef idx="2">
-            <a:schemeClr val="accent1"/>
-          </a:fillRef>
-          <a:effectRef idx="1">
-            <a:schemeClr val="accent1"/>
-          </a:effectRef>
-          <a:fontRef idx="minor">
-            <a:schemeClr val="dk1"/>
-          </a:fontRef>
-        </p:style>
-        <p:txBody>
-          <a:bodyPr rtlCol="0" anchor="ctr"/>
-          <a:lstStyle/>
-          <a:p>
-            <a:pPr algn="ctr"/>
-            <a:r>
-              <a:rPr lang="en-US" sz="2000" dirty="0" smtClean="0"/>
-              <a:t>break</a:t>
-            </a:r>
-            <a:endParaRPr lang="en-US" sz="2000" dirty="0"/>
-          </a:p>
-        </p:txBody>
-      </p:sp>
-      <p:sp>
-        <p:nvSpPr>
-          <p:cNvPr id="35" name="Rectangle 34"/>
-          <p:cNvSpPr/>
-          <p:nvPr/>
-        </p:nvSpPr>
-        <p:spPr>
-          <a:xfrm>
-            <a:off x="6172200" y="5410200"/>
-            <a:ext cx="2057400" cy="685800"/>
-          </a:xfrm>
-          <a:prstGeom prst="rect">
-            <a:avLst/>
-          </a:prstGeom>
-        </p:spPr>
-        <p:style>
-          <a:lnRef idx="1">
-            <a:schemeClr val="accent1"/>
-          </a:lnRef>
-          <a:fillRef idx="2">
-            <a:schemeClr val="accent1"/>
-          </a:fillRef>
-          <a:effectRef idx="1">
-            <a:schemeClr val="accent1"/>
-          </a:effectRef>
-          <a:fontRef idx="minor">
-            <a:schemeClr val="dk1"/>
-          </a:fontRef>
-        </p:style>
-        <p:txBody>
-          <a:bodyPr rtlCol="0" anchor="ctr"/>
-          <a:lstStyle/>
-          <a:p>
-            <a:pPr algn="ctr"/>
-            <a:r>
-              <a:rPr lang="en-US" sz="2000" dirty="0" smtClean="0"/>
-              <a:t>continue</a:t>
-            </a:r>
-            <a:endParaRPr lang="en-US" sz="2000" dirty="0"/>
-          </a:p>
-        </p:txBody>
-      </p:sp>
-      <p:cxnSp>
-        <p:nvCxnSpPr>
-          <p:cNvPr id="37" name="Straight Arrow Connector 36"/>
-          <p:cNvCxnSpPr>
-            <a:stCxn id="6" idx="2"/>
-            <a:endCxn id="26" idx="0"/>
-          </p:cNvCxnSpPr>
-          <p:nvPr/>
-        </p:nvCxnSpPr>
-        <p:spPr>
-          <a:xfrm>
-            <a:off x="1714500" y="3429000"/>
-            <a:ext cx="0" cy="304800"/>
-          </a:xfrm>
-          <a:prstGeom prst="straightConnector1">
-            <a:avLst/>
-          </a:prstGeom>
-          <a:ln>
-            <a:tailEnd type="arrow"/>
-          </a:ln>
-        </p:spPr>
-        <p:style>
-          <a:lnRef idx="2">
-            <a:schemeClr val="dk1"/>
-          </a:lnRef>
-          <a:fillRef idx="0">
-            <a:schemeClr val="dk1"/>
-          </a:fillRef>
-          <a:effectRef idx="1">
-            <a:schemeClr val="dk1"/>
-          </a:effectRef>
-          <a:fontRef idx="minor">
-            <a:schemeClr val="tx1"/>
-          </a:fontRef>
-        </p:style>
-      </p:cxnSp>
-      <p:cxnSp>
-        <p:nvCxnSpPr>
-          <p:cNvPr id="39" name="Straight Arrow Connector 38"/>
-          <p:cNvCxnSpPr>
-            <a:stCxn id="26" idx="2"/>
-            <a:endCxn id="27" idx="0"/>
-          </p:cNvCxnSpPr>
-          <p:nvPr/>
-        </p:nvCxnSpPr>
-        <p:spPr>
-          <a:xfrm>
-            <a:off x="1714500" y="4419600"/>
-            <a:ext cx="0" cy="381000"/>
-          </a:xfrm>
-          <a:prstGeom prst="straightConnector1">
-            <a:avLst/>
-          </a:prstGeom>
-          <a:ln>
-            <a:tailEnd type="arrow"/>
-          </a:ln>
-        </p:spPr>
-        <p:style>
-          <a:lnRef idx="2">
-            <a:schemeClr val="dk1"/>
-          </a:lnRef>
-          <a:fillRef idx="0">
-            <a:schemeClr val="dk1"/>
-          </a:fillRef>
-          <a:effectRef idx="1">
-            <a:schemeClr val="dk1"/>
-          </a:effectRef>
-          <a:fontRef idx="minor">
-            <a:schemeClr val="tx1"/>
-          </a:fontRef>
-        </p:style>
-      </p:cxnSp>
-      <p:cxnSp>
-        <p:nvCxnSpPr>
-          <p:cNvPr id="41" name="Straight Arrow Connector 40"/>
-          <p:cNvCxnSpPr>
-            <a:stCxn id="13" idx="2"/>
-            <a:endCxn id="28" idx="0"/>
-          </p:cNvCxnSpPr>
-          <p:nvPr/>
-        </p:nvCxnSpPr>
-        <p:spPr>
-          <a:xfrm>
-            <a:off x="4533900" y="3429000"/>
-            <a:ext cx="0" cy="304800"/>
-          </a:xfrm>
-          <a:prstGeom prst="straightConnector1">
-            <a:avLst/>
-          </a:prstGeom>
-          <a:ln>
-            <a:tailEnd type="arrow"/>
-          </a:ln>
-        </p:spPr>
-        <p:style>
-          <a:lnRef idx="2">
-            <a:schemeClr val="dk1"/>
-          </a:lnRef>
-          <a:fillRef idx="0">
-            <a:schemeClr val="dk1"/>
-          </a:fillRef>
-          <a:effectRef idx="1">
-            <a:schemeClr val="dk1"/>
-          </a:effectRef>
-          <a:fontRef idx="minor">
-            <a:schemeClr val="tx1"/>
-          </a:fontRef>
-        </p:style>
-      </p:cxnSp>
-      <p:cxnSp>
-        <p:nvCxnSpPr>
-          <p:cNvPr id="43" name="Straight Arrow Connector 42"/>
-          <p:cNvCxnSpPr>
-            <a:stCxn id="28" idx="2"/>
-            <a:endCxn id="29" idx="0"/>
-          </p:cNvCxnSpPr>
-          <p:nvPr/>
-        </p:nvCxnSpPr>
-        <p:spPr>
-          <a:xfrm>
-            <a:off x="4533900" y="4419600"/>
-            <a:ext cx="0" cy="381000"/>
-          </a:xfrm>
-          <a:prstGeom prst="straightConnector1">
-            <a:avLst/>
-          </a:prstGeom>
-          <a:ln>
-            <a:tailEnd type="arrow"/>
-          </a:ln>
-        </p:spPr>
-        <p:style>
-          <a:lnRef idx="2">
-            <a:schemeClr val="dk1"/>
-          </a:lnRef>
-          <a:fillRef idx="0">
-            <a:schemeClr val="dk1"/>
-          </a:fillRef>
-          <a:effectRef idx="1">
-            <a:schemeClr val="dk1"/>
-          </a:effectRef>
-          <a:fontRef idx="minor">
-            <a:schemeClr val="tx1"/>
-          </a:fontRef>
-        </p:style>
-      </p:cxnSp>
-      <p:cxnSp>
-        <p:nvCxnSpPr>
-          <p:cNvPr id="45" name="Straight Arrow Connector 44"/>
-          <p:cNvCxnSpPr>
-            <a:stCxn id="29" idx="2"/>
-            <a:endCxn id="30" idx="0"/>
-          </p:cNvCxnSpPr>
-          <p:nvPr/>
-        </p:nvCxnSpPr>
-        <p:spPr>
-          <a:xfrm>
-            <a:off x="4533900" y="5638800"/>
-            <a:ext cx="0" cy="304800"/>
-          </a:xfrm>
-          <a:prstGeom prst="straightConnector1">
-            <a:avLst/>
-          </a:prstGeom>
-          <a:ln>
-            <a:tailEnd type="arrow"/>
-          </a:ln>
-        </p:spPr>
-        <p:style>
-          <a:lnRef idx="2">
-            <a:schemeClr val="dk1"/>
-          </a:lnRef>
-          <a:fillRef idx="0">
-            <a:schemeClr val="dk1"/>
-          </a:fillRef>
-          <a:effectRef idx="1">
-            <a:schemeClr val="dk1"/>
-          </a:effectRef>
-          <a:fontRef idx="minor">
-            <a:schemeClr val="tx1"/>
-          </a:fontRef>
-        </p:style>
-      </p:cxnSp>
-      <p:cxnSp>
-        <p:nvCxnSpPr>
-          <p:cNvPr id="47" name="Straight Arrow Connector 46"/>
-          <p:cNvCxnSpPr>
-            <a:stCxn id="14" idx="2"/>
-            <a:endCxn id="34" idx="0"/>
-          </p:cNvCxnSpPr>
-          <p:nvPr/>
-        </p:nvCxnSpPr>
-        <p:spPr>
-          <a:xfrm>
-            <a:off x="7200900" y="3505200"/>
-            <a:ext cx="0" cy="838200"/>
-          </a:xfrm>
-          <a:prstGeom prst="straightConnector1">
-            <a:avLst/>
-          </a:prstGeom>
-          <a:ln>
-            <a:tailEnd type="arrow"/>
-          </a:ln>
-        </p:spPr>
-        <p:style>
-          <a:lnRef idx="2">
-            <a:schemeClr val="dk1"/>
-          </a:lnRef>
-          <a:fillRef idx="0">
-            <a:schemeClr val="dk1"/>
-          </a:fillRef>
-          <a:effectRef idx="1">
-            <a:schemeClr val="dk1"/>
-          </a:effectRef>
-          <a:fontRef idx="minor">
-            <a:schemeClr val="tx1"/>
-          </a:fontRef>
-        </p:style>
-      </p:cxnSp>
-      <p:cxnSp>
-        <p:nvCxnSpPr>
-          <p:cNvPr id="49" name="Straight Arrow Connector 48"/>
-          <p:cNvCxnSpPr>
-            <a:stCxn id="34" idx="2"/>
-            <a:endCxn id="35" idx="0"/>
-          </p:cNvCxnSpPr>
-          <p:nvPr/>
-        </p:nvCxnSpPr>
-        <p:spPr>
-          <a:xfrm>
-            <a:off x="7200900" y="5029200"/>
-            <a:ext cx="0" cy="381000"/>
-          </a:xfrm>
-          <a:prstGeom prst="straightConnector1">
-            <a:avLst/>
-          </a:prstGeom>
-          <a:ln>
-            <a:tailEnd type="arrow"/>
-          </a:ln>
-        </p:spPr>
-        <p:style>
-          <a:lnRef idx="2">
-            <a:schemeClr val="dk1"/>
-          </a:lnRef>
-          <a:fillRef idx="0">
-            <a:schemeClr val="dk1"/>
-          </a:fillRef>
-          <a:effectRef idx="1">
-            <a:schemeClr val="dk1"/>
-          </a:effectRef>
-          <a:fontRef idx="minor">
-            <a:schemeClr val="tx1"/>
-          </a:fontRef>
-        </p:style>
-      </p:cxnSp>
-      <p:sp>
-        <p:nvSpPr>
-          <p:cNvPr id="24" name="Rectangle 23"/>
-          <p:cNvSpPr/>
-          <p:nvPr/>
-        </p:nvSpPr>
-        <p:spPr>
-          <a:xfrm>
-            <a:off x="685800" y="5791200"/>
-            <a:ext cx="2057400" cy="685800"/>
-          </a:xfrm>
-          <a:prstGeom prst="rect">
-            <a:avLst/>
-          </a:prstGeom>
-        </p:spPr>
-        <p:style>
-          <a:lnRef idx="1">
-            <a:schemeClr val="accent1"/>
-          </a:lnRef>
-          <a:fillRef idx="2">
-            <a:schemeClr val="accent1"/>
-          </a:fillRef>
-          <a:effectRef idx="1">
-            <a:schemeClr val="accent1"/>
-          </a:effectRef>
-          <a:fontRef idx="minor">
-            <a:schemeClr val="dk1"/>
-          </a:fontRef>
-        </p:style>
-        <p:txBody>
-          <a:bodyPr rtlCol="0" anchor="ctr"/>
-          <a:lstStyle/>
-          <a:p>
-            <a:pPr algn="ctr"/>
-            <a:r>
-              <a:rPr lang="en-US" sz="2000" dirty="0" smtClean="0"/>
-              <a:t>switch</a:t>
-            </a:r>
-            <a:endParaRPr lang="en-US" sz="2000" dirty="0"/>
-          </a:p>
-        </p:txBody>
-      </p:sp>
-      <p:cxnSp>
-        <p:nvCxnSpPr>
-          <p:cNvPr id="31" name="Straight Arrow Connector 30"/>
-          <p:cNvCxnSpPr>
-            <a:stCxn id="27" idx="2"/>
-            <a:endCxn id="24" idx="0"/>
-          </p:cNvCxnSpPr>
-          <p:nvPr/>
-        </p:nvCxnSpPr>
-        <p:spPr>
-          <a:xfrm>
-            <a:off x="1714500" y="5486400"/>
-            <a:ext cx="0" cy="304800"/>
-          </a:xfrm>
-          <a:prstGeom prst="straightConnector1">
-            <a:avLst/>
-          </a:prstGeom>
-          <a:ln>
-            <a:tailEnd type="arrow"/>
-          </a:ln>
-        </p:spPr>
-        <p:style>
-          <a:lnRef idx="2">
-            <a:schemeClr val="dk1"/>
-          </a:lnRef>
-          <a:fillRef idx="0">
-            <a:schemeClr val="dk1"/>
-          </a:fillRef>
-          <a:effectRef idx="1">
-            <a:schemeClr val="dk1"/>
-          </a:effectRef>
-          <a:fontRef idx="minor">
-            <a:schemeClr val="tx1"/>
-          </a:fontRef>
-        </p:style>
-      </p:cxnSp>
+          <p:cNvPr id="3" name="Content Placeholder 2"/>
+          <p:cNvSpPr>
+            <a:spLocks noGrp="1"/>
+          </p:cNvSpPr>
+          <p:nvPr>
+            <p:ph idx="1"/>
+          </p:nvPr>
+        </p:nvSpPr>
+        <p:spPr/>
+        <p:txBody>
+          <a:bodyPr>
+            <a:normAutofit fontScale="92500"/>
+          </a:bodyPr>
+          <a:lstStyle/>
+          <a:p>
+            <a:r>
+              <a:rPr lang="en-US" dirty="0" smtClean="0"/>
+              <a:t>For loop is also known as deterministic loop.</a:t>
+            </a:r>
+          </a:p>
+          <a:p>
+            <a:r>
+              <a:rPr lang="en-US" dirty="0" smtClean="0"/>
+              <a:t>The loop contains</a:t>
+            </a:r>
+          </a:p>
+          <a:p>
+            <a:pPr lvl="1"/>
+            <a:r>
+              <a:rPr lang="en-US" dirty="0" smtClean="0"/>
+              <a:t>Initialization</a:t>
+            </a:r>
+          </a:p>
+          <a:p>
+            <a:pPr lvl="1"/>
+            <a:r>
+              <a:rPr lang="en-US" dirty="0" smtClean="0"/>
+              <a:t>Condition</a:t>
+            </a:r>
+          </a:p>
+          <a:p>
+            <a:pPr lvl="1"/>
+            <a:r>
+              <a:rPr lang="en-US" dirty="0" smtClean="0"/>
+              <a:t>Increment/Decrement</a:t>
+            </a:r>
+          </a:p>
+          <a:p>
+            <a:r>
+              <a:rPr lang="en-US" dirty="0" smtClean="0"/>
+              <a:t>Using this we can clearly determine</a:t>
+            </a:r>
+          </a:p>
+          <a:p>
+            <a:pPr lvl="1"/>
+            <a:r>
+              <a:rPr lang="en-US" dirty="0" smtClean="0"/>
+              <a:t>String of loop.</a:t>
+            </a:r>
+          </a:p>
+          <a:p>
+            <a:pPr lvl="1"/>
+            <a:r>
+              <a:rPr lang="en-US" dirty="0" smtClean="0"/>
+              <a:t>When it will end</a:t>
+            </a:r>
+          </a:p>
+          <a:p>
+            <a:pPr lvl="1"/>
+            <a:r>
+              <a:rPr lang="en-US" dirty="0" smtClean="0"/>
+              <a:t>How many iteration may run </a:t>
+            </a:r>
+            <a:endParaRPr lang="en-US" dirty="0"/>
+          </a:p>
+        </p:txBody>
+      </p:sp>
     </p:spTree>
   </p:cSld>
   <p:clrMapOvr>
@@ -6079,7 +5055,7 @@
           <a:p>
             <a:r>
               <a:rPr lang="en-US" dirty="0" smtClean="0"/>
-              <a:t>Loops</a:t>
+              <a:t>Syntax</a:t>
             </a:r>
             <a:endParaRPr lang="en-US" dirty="0"/>
           </a:p>
@@ -6095,77 +5071,63 @@
             <p:ph idx="1"/>
           </p:nvPr>
         </p:nvSpPr>
-        <p:spPr/>
+        <p:spPr>
+          <a:xfrm>
+            <a:off x="457200" y="1600201"/>
+            <a:ext cx="8229600" cy="2133600"/>
+          </a:xfrm>
+        </p:spPr>
         <p:txBody>
           <a:bodyPr>
-            <a:normAutofit lnSpcReduction="10000"/>
+            <a:normAutofit/>
           </a:bodyPr>
           <a:lstStyle/>
           <a:p>
-            <a:r>
-              <a:rPr lang="en-US" dirty="0" smtClean="0"/>
-              <a:t>It is also known as iterate statements.</a:t>
-            </a:r>
-          </a:p>
-          <a:p>
-            <a:r>
-              <a:rPr lang="en-US" dirty="0" smtClean="0"/>
-              <a:t>A block of code is repeatedly executed until some condition is satisfied or true.</a:t>
-            </a:r>
-          </a:p>
-          <a:p>
-            <a:r>
-              <a:rPr lang="en-US" dirty="0" smtClean="0"/>
-              <a:t> There are 2 types of loops</a:t>
-            </a:r>
-          </a:p>
-          <a:p>
-            <a:pPr lvl="1"/>
-            <a:r>
-              <a:rPr lang="en-US" dirty="0" smtClean="0"/>
-              <a:t>Deterministic Loop</a:t>
-            </a:r>
-          </a:p>
-          <a:p>
-            <a:pPr lvl="2"/>
-            <a:r>
-              <a:rPr lang="en-US" dirty="0" smtClean="0"/>
-              <a:t>f</a:t>
-            </a:r>
-            <a:r>
-              <a:rPr lang="en-US" dirty="0" smtClean="0"/>
-              <a:t>or loop</a:t>
-            </a:r>
-          </a:p>
-          <a:p>
-            <a:pPr lvl="1"/>
-            <a:r>
-              <a:rPr lang="en-US" dirty="0" smtClean="0"/>
-              <a:t>Non Deterministic Loops</a:t>
-            </a:r>
-          </a:p>
-          <a:p>
-            <a:pPr lvl="2"/>
-            <a:r>
-              <a:rPr lang="en-US" dirty="0" smtClean="0"/>
-              <a:t>w</a:t>
-            </a:r>
-            <a:r>
-              <a:rPr lang="en-US" dirty="0" smtClean="0"/>
-              <a:t>hile</a:t>
-            </a:r>
-          </a:p>
-          <a:p>
-            <a:pPr lvl="2"/>
-            <a:r>
-              <a:rPr lang="en-US" dirty="0" smtClean="0"/>
-              <a:t>d</a:t>
-            </a:r>
-            <a:r>
-              <a:rPr lang="en-US" dirty="0" smtClean="0"/>
-              <a:t>o-while </a:t>
-            </a:r>
-            <a:endParaRPr lang="en-US" dirty="0"/>
+            <a:pPr marL="342900" lvl="1" indent="-342900">
+              <a:buNone/>
+            </a:pPr>
+            <a:r>
+              <a:rPr lang="en-US" sz="2200" dirty="0" smtClean="0">
+                <a:latin typeface="Consolas" pitchFamily="49" charset="0"/>
+              </a:rPr>
+              <a:t>for(Initialization; Condition; Increment/Decrement)</a:t>
+            </a:r>
+          </a:p>
+          <a:p>
+            <a:pPr marL="342900" lvl="1" indent="-342900">
+              <a:buNone/>
+            </a:pPr>
+            <a:r>
+              <a:rPr lang="en-US" sz="2200" dirty="0" smtClean="0">
+                <a:latin typeface="Consolas" pitchFamily="49" charset="0"/>
+              </a:rPr>
+              <a:t>{</a:t>
+            </a:r>
+          </a:p>
+          <a:p>
+            <a:pPr>
+              <a:buNone/>
+            </a:pPr>
+            <a:r>
+              <a:rPr lang="en-US" sz="2200" dirty="0" smtClean="0">
+                <a:latin typeface="Consolas" pitchFamily="49" charset="0"/>
+              </a:rPr>
+              <a:t>	// Statements of for loop	</a:t>
+            </a:r>
+          </a:p>
+          <a:p>
+            <a:pPr>
+              <a:buNone/>
+            </a:pPr>
+            <a:r>
+              <a:rPr lang="en-US" sz="2200" dirty="0" smtClean="0">
+                <a:latin typeface="Consolas" pitchFamily="49" charset="0"/>
+              </a:rPr>
+              <a:t>}</a:t>
+            </a:r>
+            <a:endParaRPr lang="en-US" sz="2200" dirty="0">
+              <a:latin typeface="Consolas" pitchFamily="49" charset="0"/>
+            </a:endParaRPr>
           </a:p>
         </p:txBody>
       </p:sp>
@@ -6185,277 +5147,6 @@
 </file>
 
 <file path=ppt/slides/slide5.xml><?xml version="1.0" encoding="utf-8"?>
-<p:sld xmlns:a="http://schemas.openxmlformats.org/drawingml/2006/main" xmlns:r="http://schemas.openxmlformats.org/officeDocument/2006/relationships" xmlns:p="http://schemas.openxmlformats.org/presentationml/2006/main">
-  <p:cSld>
-    <p:spTree>
-      <p:nvGrpSpPr>
-        <p:cNvPr id="1" name=""/>
-        <p:cNvGrpSpPr/>
-        <p:nvPr/>
-      </p:nvGrpSpPr>
-      <p:grpSpPr>
-        <a:xfrm>
-          <a:off x="0" y="0"/>
-          <a:ext cx="0" cy="0"/>
-          <a:chOff x="0" y="0"/>
-          <a:chExt cx="0" cy="0"/>
-        </a:xfrm>
-      </p:grpSpPr>
-      <p:sp>
-        <p:nvSpPr>
-          <p:cNvPr id="2" name="Title 1"/>
-          <p:cNvSpPr>
-            <a:spLocks noGrp="1"/>
-          </p:cNvSpPr>
-          <p:nvPr>
-            <p:ph type="title"/>
-          </p:nvPr>
-        </p:nvSpPr>
-        <p:spPr/>
-        <p:txBody>
-          <a:bodyPr/>
-          <a:lstStyle/>
-          <a:p>
-            <a:r>
-              <a:rPr lang="en-US" dirty="0" smtClean="0"/>
-              <a:t>FOR LOOP</a:t>
-            </a:r>
-            <a:endParaRPr lang="en-US" dirty="0"/>
-          </a:p>
-        </p:txBody>
-      </p:sp>
-      <p:sp>
-        <p:nvSpPr>
-          <p:cNvPr id="3" name="Content Placeholder 2"/>
-          <p:cNvSpPr>
-            <a:spLocks noGrp="1"/>
-          </p:cNvSpPr>
-          <p:nvPr>
-            <p:ph idx="1"/>
-          </p:nvPr>
-        </p:nvSpPr>
-        <p:spPr/>
-        <p:txBody>
-          <a:bodyPr>
-            <a:normAutofit fontScale="92500"/>
-          </a:bodyPr>
-          <a:lstStyle/>
-          <a:p>
-            <a:r>
-              <a:rPr lang="en-US" dirty="0" smtClean="0"/>
-              <a:t>For loop is also known as deterministic loop.</a:t>
-            </a:r>
-          </a:p>
-          <a:p>
-            <a:r>
-              <a:rPr lang="en-US" dirty="0" smtClean="0"/>
-              <a:t>The loop contains</a:t>
-            </a:r>
-          </a:p>
-          <a:p>
-            <a:pPr lvl="1"/>
-            <a:r>
-              <a:rPr lang="en-US" dirty="0" smtClean="0"/>
-              <a:t>Initialization</a:t>
-            </a:r>
-          </a:p>
-          <a:p>
-            <a:pPr lvl="1"/>
-            <a:r>
-              <a:rPr lang="en-US" dirty="0" smtClean="0"/>
-              <a:t>Condition</a:t>
-            </a:r>
-          </a:p>
-          <a:p>
-            <a:pPr lvl="1"/>
-            <a:r>
-              <a:rPr lang="en-US" dirty="0" smtClean="0"/>
-              <a:t>Increment/Decrement</a:t>
-            </a:r>
-          </a:p>
-          <a:p>
-            <a:r>
-              <a:rPr lang="en-US" dirty="0" smtClean="0"/>
-              <a:t>Using this we can clearly determine</a:t>
-            </a:r>
-          </a:p>
-          <a:p>
-            <a:pPr lvl="1"/>
-            <a:r>
-              <a:rPr lang="en-US" dirty="0" smtClean="0"/>
-              <a:t>String of loop.</a:t>
-            </a:r>
-          </a:p>
-          <a:p>
-            <a:pPr lvl="1"/>
-            <a:r>
-              <a:rPr lang="en-US" dirty="0" smtClean="0"/>
-              <a:t>When it will end</a:t>
-            </a:r>
-          </a:p>
-          <a:p>
-            <a:pPr lvl="1"/>
-            <a:r>
-              <a:rPr lang="en-US" dirty="0" smtClean="0"/>
-              <a:t>How many iteration may run </a:t>
-            </a:r>
-            <a:endParaRPr lang="en-US" dirty="0"/>
-          </a:p>
-        </p:txBody>
-      </p:sp>
-    </p:spTree>
-  </p:cSld>
-  <p:clrMapOvr>
-    <a:masterClrMapping/>
-  </p:clrMapOvr>
-  <p:timing>
-    <p:tnLst>
-      <p:par>
-        <p:cTn id="1" dur="indefinite" restart="never" nodeType="tmRoot"/>
-      </p:par>
-    </p:tnLst>
-  </p:timing>
-</p:sld>
-</file>
-
-<file path=ppt/slides/slide6.xml><?xml version="1.0" encoding="utf-8"?>
-<p:sld xmlns:a="http://schemas.openxmlformats.org/drawingml/2006/main" xmlns:r="http://schemas.openxmlformats.org/officeDocument/2006/relationships" xmlns:p="http://schemas.openxmlformats.org/presentationml/2006/main">
-  <p:cSld>
-    <p:spTree>
-      <p:nvGrpSpPr>
-        <p:cNvPr id="1" name=""/>
-        <p:cNvGrpSpPr/>
-        <p:nvPr/>
-      </p:nvGrpSpPr>
-      <p:grpSpPr>
-        <a:xfrm>
-          <a:off x="0" y="0"/>
-          <a:ext cx="0" cy="0"/>
-          <a:chOff x="0" y="0"/>
-          <a:chExt cx="0" cy="0"/>
-        </a:xfrm>
-      </p:grpSpPr>
-      <p:sp>
-        <p:nvSpPr>
-          <p:cNvPr id="2" name="Title 1"/>
-          <p:cNvSpPr>
-            <a:spLocks noGrp="1"/>
-          </p:cNvSpPr>
-          <p:nvPr>
-            <p:ph type="title"/>
-          </p:nvPr>
-        </p:nvSpPr>
-        <p:spPr/>
-        <p:txBody>
-          <a:bodyPr/>
-          <a:lstStyle/>
-          <a:p>
-            <a:r>
-              <a:rPr lang="en-US" dirty="0" smtClean="0"/>
-              <a:t>Syntax</a:t>
-            </a:r>
-            <a:endParaRPr lang="en-US" dirty="0"/>
-          </a:p>
-        </p:txBody>
-      </p:sp>
-      <p:sp>
-        <p:nvSpPr>
-          <p:cNvPr id="3" name="Content Placeholder 2"/>
-          <p:cNvSpPr>
-            <a:spLocks noGrp="1"/>
-          </p:cNvSpPr>
-          <p:nvPr>
-            <p:ph idx="1"/>
-          </p:nvPr>
-        </p:nvSpPr>
-        <p:spPr>
-          <a:xfrm>
-            <a:off x="457200" y="1600201"/>
-            <a:ext cx="8229600" cy="2133600"/>
-          </a:xfrm>
-        </p:spPr>
-        <p:txBody>
-          <a:bodyPr>
-            <a:normAutofit/>
-          </a:bodyPr>
-          <a:lstStyle/>
-          <a:p>
-            <a:pPr marL="342900" lvl="1" indent="-342900">
-              <a:buNone/>
-            </a:pPr>
-            <a:r>
-              <a:rPr lang="en-US" sz="2200" dirty="0" smtClean="0">
-                <a:latin typeface="Consolas" pitchFamily="49" charset="0"/>
-              </a:rPr>
-              <a:t>for(Initialization</a:t>
-            </a:r>
-            <a:r>
-              <a:rPr lang="en-US" sz="2200" dirty="0" smtClean="0">
-                <a:latin typeface="Consolas" pitchFamily="49" charset="0"/>
-              </a:rPr>
-              <a:t>; Condition; </a:t>
-            </a:r>
-            <a:r>
-              <a:rPr lang="en-US" sz="2200" dirty="0" smtClean="0">
-                <a:latin typeface="Consolas" pitchFamily="49" charset="0"/>
-              </a:rPr>
-              <a:t>Increment/Decrement)</a:t>
-            </a:r>
-          </a:p>
-          <a:p>
-            <a:pPr marL="342900" lvl="1" indent="-342900">
-              <a:buNone/>
-            </a:pPr>
-            <a:r>
-              <a:rPr lang="en-US" sz="2200" dirty="0" smtClean="0">
-                <a:latin typeface="Consolas" pitchFamily="49" charset="0"/>
-              </a:rPr>
-              <a:t>{</a:t>
-            </a:r>
-          </a:p>
-          <a:p>
-            <a:pPr>
-              <a:buNone/>
-            </a:pPr>
-            <a:r>
-              <a:rPr lang="en-US" sz="2200" dirty="0" smtClean="0">
-                <a:latin typeface="Consolas" pitchFamily="49" charset="0"/>
-              </a:rPr>
-              <a:t>	// Statements of for loop	</a:t>
-            </a:r>
-          </a:p>
-          <a:p>
-            <a:pPr>
-              <a:buNone/>
-            </a:pPr>
-            <a:r>
-              <a:rPr lang="en-US" sz="2200" dirty="0" smtClean="0">
-                <a:latin typeface="Consolas" pitchFamily="49" charset="0"/>
-              </a:rPr>
-              <a:t>}</a:t>
-            </a:r>
-            <a:endParaRPr lang="en-US" sz="2200" dirty="0">
-              <a:latin typeface="Consolas" pitchFamily="49" charset="0"/>
-            </a:endParaRPr>
-          </a:p>
-        </p:txBody>
-      </p:sp>
-    </p:spTree>
-  </p:cSld>
-  <p:clrMapOvr>
-    <a:masterClrMapping/>
-  </p:clrMapOvr>
-  <p:timing>
-    <p:tnLst>
-      <p:par>
-        <p:cTn id="1" dur="indefinite" restart="never" nodeType="tmRoot"/>
-      </p:par>
-    </p:tnLst>
-  </p:timing>
-</p:sld>
-</file>
-
-<file path=ppt/slides/slide7.xml><?xml version="1.0" encoding="utf-8"?>
 <p:sld xmlns:a="http://schemas.openxmlformats.org/drawingml/2006/main" xmlns:r="http://schemas.openxmlformats.org/officeDocument/2006/relationships" xmlns:p="http://schemas.openxmlformats.org/presentationml/2006/main">
   <p:cSld>
     <p:spTree>
@@ -6542,7 +5233,7 @@
 </p:sld>
 </file>
 
-<file path=ppt/slides/slide8.xml><?xml version="1.0" encoding="utf-8"?>
+<file path=ppt/slides/slide6.xml><?xml version="1.0" encoding="utf-8"?>
 <p:sld xmlns:a="http://schemas.openxmlformats.org/drawingml/2006/main" xmlns:r="http://schemas.openxmlformats.org/officeDocument/2006/relationships" xmlns:p="http://schemas.openxmlformats.org/presentationml/2006/main">
   <p:cSld>
     <p:spTree>
@@ -6631,6 +5322,251 @@
 </p:sld>
 </file>
 
+<file path=ppt/slides/slide7.xml><?xml version="1.0" encoding="utf-8"?>
+<p:sld xmlns:a="http://schemas.openxmlformats.org/drawingml/2006/main" xmlns:r="http://schemas.openxmlformats.org/officeDocument/2006/relationships" xmlns:p="http://schemas.openxmlformats.org/presentationml/2006/main">
+  <p:cSld>
+    <p:spTree>
+      <p:nvGrpSpPr>
+        <p:cNvPr id="1" name=""/>
+        <p:cNvGrpSpPr/>
+        <p:nvPr/>
+      </p:nvGrpSpPr>
+      <p:grpSpPr>
+        <a:xfrm>
+          <a:off x="0" y="0"/>
+          <a:ext cx="0" cy="0"/>
+          <a:chOff x="0" y="0"/>
+          <a:chExt cx="0" cy="0"/>
+        </a:xfrm>
+      </p:grpSpPr>
+      <p:sp>
+        <p:nvSpPr>
+          <p:cNvPr id="2" name="Title 1"/>
+          <p:cNvSpPr>
+            <a:spLocks noGrp="1"/>
+          </p:cNvSpPr>
+          <p:nvPr>
+            <p:ph type="title"/>
+          </p:nvPr>
+        </p:nvSpPr>
+        <p:spPr/>
+        <p:txBody>
+          <a:bodyPr/>
+          <a:lstStyle/>
+          <a:p>
+            <a:r>
+              <a:rPr lang="en-US" dirty="0" smtClean="0"/>
+              <a:t>WHILE LOOP</a:t>
+            </a:r>
+            <a:endParaRPr lang="en-US" dirty="0"/>
+          </a:p>
+        </p:txBody>
+      </p:sp>
+      <p:sp>
+        <p:nvSpPr>
+          <p:cNvPr id="3" name="Content Placeholder 2"/>
+          <p:cNvSpPr>
+            <a:spLocks noGrp="1"/>
+          </p:cNvSpPr>
+          <p:nvPr>
+            <p:ph idx="1"/>
+          </p:nvPr>
+        </p:nvSpPr>
+        <p:spPr/>
+        <p:txBody>
+          <a:bodyPr>
+            <a:normAutofit fontScale="92500" lnSpcReduction="10000"/>
+          </a:bodyPr>
+          <a:lstStyle/>
+          <a:p>
+            <a:r>
+              <a:rPr lang="en-US" dirty="0" smtClean="0"/>
+              <a:t>It is a type of non deterministic loop.</a:t>
+            </a:r>
+          </a:p>
+          <a:p>
+            <a:r>
+              <a:rPr lang="en-US" dirty="0" smtClean="0"/>
+              <a:t>It check’s the condition before entering into the loop.</a:t>
+            </a:r>
+          </a:p>
+          <a:p>
+            <a:r>
+              <a:rPr lang="en-US" dirty="0" smtClean="0"/>
+              <a:t>The block of statement repeatedly execute until the condition remains satisfied.</a:t>
+            </a:r>
+          </a:p>
+          <a:p>
+            <a:r>
+              <a:rPr lang="en-US" dirty="0" smtClean="0"/>
+              <a:t>It is also known as entry control loop.</a:t>
+            </a:r>
+          </a:p>
+          <a:p>
+            <a:r>
+              <a:rPr lang="en-US" dirty="0" smtClean="0"/>
+              <a:t>The condition may or may not satisfied.</a:t>
+            </a:r>
+          </a:p>
+          <a:p>
+            <a:r>
+              <a:rPr lang="en-US" dirty="0" smtClean="0"/>
+              <a:t>We are not sure about the termination of loop and no of iterations. </a:t>
+            </a:r>
+            <a:endParaRPr lang="en-US" dirty="0"/>
+          </a:p>
+        </p:txBody>
+      </p:sp>
+    </p:spTree>
+  </p:cSld>
+  <p:clrMapOvr>
+    <a:masterClrMapping/>
+  </p:clrMapOvr>
+  <p:timing>
+    <p:tnLst>
+      <p:par>
+        <p:cTn id="1" dur="indefinite" restart="never" nodeType="tmRoot"/>
+      </p:par>
+    </p:tnLst>
+  </p:timing>
+</p:sld>
+</file>
+
+<file path=ppt/slides/slide8.xml><?xml version="1.0" encoding="utf-8"?>
+<p:sld xmlns:a="http://schemas.openxmlformats.org/drawingml/2006/main" xmlns:r="http://schemas.openxmlformats.org/officeDocument/2006/relationships" xmlns:p="http://schemas.openxmlformats.org/presentationml/2006/main">
+  <p:cSld>
+    <p:spTree>
+      <p:nvGrpSpPr>
+        <p:cNvPr id="1" name=""/>
+        <p:cNvGrpSpPr/>
+        <p:nvPr/>
+      </p:nvGrpSpPr>
+      <p:grpSpPr>
+        <a:xfrm>
+          <a:off x="0" y="0"/>
+          <a:ext cx="0" cy="0"/>
+          <a:chOff x="0" y="0"/>
+          <a:chExt cx="0" cy="0"/>
+        </a:xfrm>
+      </p:grpSpPr>
+      <p:sp>
+        <p:nvSpPr>
+          <p:cNvPr id="2" name="Title 1"/>
+          <p:cNvSpPr>
+            <a:spLocks noGrp="1"/>
+          </p:cNvSpPr>
+          <p:nvPr>
+            <p:ph type="title"/>
+          </p:nvPr>
+        </p:nvSpPr>
+        <p:spPr/>
+        <p:txBody>
+          <a:bodyPr/>
+          <a:lstStyle/>
+          <a:p>
+            <a:r>
+              <a:rPr lang="en-US" dirty="0" smtClean="0"/>
+              <a:t>Syntax</a:t>
+            </a:r>
+            <a:endParaRPr lang="en-US" dirty="0"/>
+          </a:p>
+        </p:txBody>
+      </p:sp>
+      <p:sp>
+        <p:nvSpPr>
+          <p:cNvPr id="3" name="Content Placeholder 2"/>
+          <p:cNvSpPr>
+            <a:spLocks noGrp="1"/>
+          </p:cNvSpPr>
+          <p:nvPr>
+            <p:ph idx="1"/>
+          </p:nvPr>
+        </p:nvSpPr>
+        <p:spPr/>
+        <p:txBody>
+          <a:bodyPr/>
+          <a:lstStyle/>
+          <a:p>
+            <a:pPr>
+              <a:buNone/>
+            </a:pPr>
+            <a:r>
+              <a:rPr lang="en-US" dirty="0" smtClean="0">
+                <a:solidFill>
+                  <a:srgbClr val="FF0000"/>
+                </a:solidFill>
+                <a:latin typeface="Consolas" pitchFamily="49" charset="0"/>
+              </a:rPr>
+              <a:t>while</a:t>
+            </a:r>
+            <a:r>
+              <a:rPr lang="en-US" dirty="0" smtClean="0">
+                <a:latin typeface="Consolas" pitchFamily="49" charset="0"/>
+              </a:rPr>
+              <a:t>(Condition){</a:t>
+            </a:r>
+          </a:p>
+          <a:p>
+            <a:pPr>
+              <a:buNone/>
+            </a:pPr>
+            <a:r>
+              <a:rPr lang="en-US" dirty="0" smtClean="0">
+                <a:latin typeface="Consolas" pitchFamily="49" charset="0"/>
+              </a:rPr>
+              <a:t>…</a:t>
+            </a:r>
+          </a:p>
+          <a:p>
+            <a:pPr>
+              <a:buNone/>
+            </a:pPr>
+            <a:r>
+              <a:rPr lang="en-US" dirty="0" smtClean="0">
+                <a:latin typeface="Consolas" pitchFamily="49" charset="0"/>
+              </a:rPr>
+              <a:t>// Block of while loop</a:t>
+            </a:r>
+          </a:p>
+          <a:p>
+            <a:pPr>
+              <a:buNone/>
+            </a:pPr>
+            <a:r>
+              <a:rPr lang="en-US" dirty="0" smtClean="0">
+                <a:latin typeface="Consolas" pitchFamily="49" charset="0"/>
+              </a:rPr>
+              <a:t>…</a:t>
+            </a:r>
+          </a:p>
+          <a:p>
+            <a:pPr>
+              <a:buNone/>
+            </a:pPr>
+            <a:r>
+              <a:rPr lang="en-US" dirty="0" smtClean="0">
+                <a:latin typeface="Consolas" pitchFamily="49" charset="0"/>
+              </a:rPr>
+              <a:t>}</a:t>
+            </a:r>
+          </a:p>
+        </p:txBody>
+      </p:sp>
+    </p:spTree>
+  </p:cSld>
+  <p:clrMapOvr>
+    <a:masterClrMapping/>
+  </p:clrMapOvr>
+  <p:timing>
+    <p:tnLst>
+      <p:par>
+        <p:cTn id="1" dur="indefinite" restart="never" nodeType="tmRoot"/>
+      </p:par>
+    </p:tnLst>
+  </p:timing>
+</p:sld>
+</file>
+
 <file path=ppt/slides/slide9.xml><?xml version="1.0" encoding="utf-8"?>
 <p:sld xmlns:a="http://schemas.openxmlformats.org/drawingml/2006/main" xmlns:r="http://schemas.openxmlformats.org/officeDocument/2006/relationships" xmlns:p="http://schemas.openxmlformats.org/presentationml/2006/main">
   <p:cSld>
@@ -6665,67 +5601,44 @@
           <a:p>
             <a:r>
               <a:rPr lang="en-US" dirty="0" smtClean="0"/>
-              <a:t>WHILE LOOP</a:t>
+              <a:t>Example [Print 0 to 9]</a:t>
             </a:r>
             <a:endParaRPr lang="en-US" dirty="0"/>
           </a:p>
         </p:txBody>
       </p:sp>
-      <p:sp>
-        <p:nvSpPr>
-          <p:cNvPr id="3" name="Content Placeholder 2"/>
-          <p:cNvSpPr>
-            <a:spLocks noGrp="1"/>
-          </p:cNvSpPr>
-          <p:nvPr>
-            <p:ph idx="1"/>
-          </p:nvPr>
-        </p:nvSpPr>
-        <p:spPr/>
-        <p:txBody>
-          <a:bodyPr>
-            <a:normAutofit fontScale="92500" lnSpcReduction="10000"/>
-          </a:bodyPr>
-          <a:lstStyle/>
-          <a:p>
-            <a:r>
-              <a:rPr lang="en-US" dirty="0" smtClean="0"/>
-              <a:t>It is a type of non deterministic loop.</a:t>
-            </a:r>
-          </a:p>
-          <a:p>
-            <a:r>
-              <a:rPr lang="en-US" dirty="0" smtClean="0"/>
-              <a:t>It check’s the condition before entering into the loop.</a:t>
-            </a:r>
-          </a:p>
-          <a:p>
-            <a:r>
-              <a:rPr lang="en-US" dirty="0" smtClean="0"/>
-              <a:t>The block of statement repeatedly execute until the condition remains satisfied.</a:t>
-            </a:r>
-          </a:p>
-          <a:p>
-            <a:r>
-              <a:rPr lang="en-US" dirty="0" smtClean="0"/>
-              <a:t>It is also known as entry control loop.</a:t>
-            </a:r>
-          </a:p>
-          <a:p>
-            <a:r>
-              <a:rPr lang="en-US" dirty="0" smtClean="0"/>
-              <a:t>The condition may or may not satisfied.</a:t>
-            </a:r>
-          </a:p>
-          <a:p>
-            <a:r>
-              <a:rPr lang="en-US" dirty="0" smtClean="0"/>
-              <a:t>We are not sure about the termination of loop and no of iterations. </a:t>
-            </a:r>
-            <a:endParaRPr lang="en-US" dirty="0"/>
-          </a:p>
-        </p:txBody>
-      </p:sp>
+      <p:pic>
+        <p:nvPicPr>
+          <p:cNvPr id="3074" name="Picture 2"/>
+          <p:cNvPicPr>
+            <a:picLocks noChangeAspect="1" noChangeArrowheads="1"/>
+          </p:cNvPicPr>
+          <p:nvPr/>
+        </p:nvPicPr>
+        <p:blipFill>
+          <a:blip r:embed="rId2" cstate="print"/>
+          <a:srcRect/>
+          <a:stretch>
+            <a:fillRect/>
+          </a:stretch>
+        </p:blipFill>
+        <p:spPr bwMode="auto">
+          <a:xfrm>
+            <a:off x="1552575" y="1524000"/>
+            <a:ext cx="5991225" cy="5257800"/>
+          </a:xfrm>
+          <a:prstGeom prst="rect">
+            <a:avLst/>
+          </a:prstGeom>
+          <a:noFill/>
+          <a:ln w="9525">
+            <a:noFill/>
+            <a:miter lim="800000"/>
+            <a:headEnd/>
+            <a:tailEnd/>
+          </a:ln>
+        </p:spPr>
+      </p:pic>
     </p:spTree>
   </p:cSld>
   <p:clrMapOvr>
